--- a/Template/Template_XMASDev2023.pptx
+++ b/Template/Template_XMASDev2023.pptx
@@ -13,6 +13,7 @@
     <p:sldId id="264" r:id="rId7"/>
     <p:sldId id="268" r:id="rId8"/>
     <p:sldId id="260" r:id="rId9"/>
+    <p:sldId id="269" r:id="rId10"/>
   </p:sldIdLst>
   <p:sldSz cx="12192000" cy="6858000"/>
   <p:notesSz cx="6858000" cy="9144000"/>
@@ -265,7 +266,7 @@
                 </a:solidFill>
                 <a:latin typeface="Bebas Neue" panose="020B0606020202050201" pitchFamily="34" charset="0"/>
               </a:rPr>
-              <a:t>XMAS DEV 2022 </a:t>
+              <a:t>XMAS DEV 2023 </a:t>
             </a:r>
             <a:endParaRPr lang="en-GB" sz="5400" b="1" dirty="0">
               <a:solidFill>
@@ -1295,7 +1296,7 @@
         </p:blipFill>
         <p:spPr>
           <a:xfrm>
-            <a:off x="2528465" y="4410850"/>
+            <a:off x="2100494" y="4438160"/>
             <a:ext cx="914400" cy="914400"/>
           </a:xfrm>
           <a:prstGeom prst="rect">
@@ -1403,7 +1404,7 @@
         </p:blipFill>
         <p:spPr>
           <a:xfrm>
-            <a:off x="3587955" y="4319908"/>
+            <a:off x="3071629" y="4337285"/>
             <a:ext cx="1032652" cy="1032652"/>
           </a:xfrm>
           <a:prstGeom prst="rect">
@@ -1439,7 +1440,7 @@
         </p:blipFill>
         <p:spPr>
           <a:xfrm>
-            <a:off x="3589629" y="3013264"/>
+            <a:off x="5271435" y="4724975"/>
             <a:ext cx="824565" cy="486628"/>
           </a:xfrm>
           <a:prstGeom prst="rect">
@@ -1476,8 +1477,8 @@
         </p:blipFill>
         <p:spPr bwMode="auto">
           <a:xfrm>
-            <a:off x="4141629" y="3628532"/>
-            <a:ext cx="1720829" cy="860415"/>
+            <a:off x="3232645" y="3644527"/>
+            <a:ext cx="2099842" cy="1049922"/>
           </a:xfrm>
           <a:prstGeom prst="rect">
             <a:avLst/>
@@ -1522,7 +1523,7 @@
         </p:blipFill>
         <p:spPr>
           <a:xfrm>
-            <a:off x="4765697" y="4585705"/>
+            <a:off x="4178085" y="4627453"/>
             <a:ext cx="919982" cy="535813"/>
           </a:xfrm>
           <a:prstGeom prst="rect">
@@ -1558,8 +1559,8 @@
         </p:blipFill>
         <p:spPr>
           <a:xfrm>
-            <a:off x="2129019" y="3629991"/>
-            <a:ext cx="1627455" cy="915443"/>
+            <a:off x="3095774" y="2718517"/>
+            <a:ext cx="2091710" cy="1176586"/>
           </a:xfrm>
           <a:prstGeom prst="rect">
             <a:avLst/>
@@ -1631,7 +1632,7 @@
         </p:blipFill>
         <p:spPr bwMode="auto">
           <a:xfrm>
-            <a:off x="3264710" y="5468026"/>
+            <a:off x="3195781" y="5485059"/>
             <a:ext cx="784347" cy="784347"/>
           </a:xfrm>
           <a:prstGeom prst="rect">
@@ -1678,7 +1679,7 @@
         </p:blipFill>
         <p:spPr bwMode="auto">
           <a:xfrm>
-            <a:off x="4151437" y="5449319"/>
+            <a:off x="4245902" y="5493160"/>
             <a:ext cx="784347" cy="784347"/>
           </a:xfrm>
           <a:prstGeom prst="rect">
@@ -1725,7 +1726,7 @@
         </p:blipFill>
         <p:spPr bwMode="auto">
           <a:xfrm>
-            <a:off x="5098067" y="5449318"/>
+            <a:off x="5313015" y="5478618"/>
             <a:ext cx="823730" cy="813433"/>
           </a:xfrm>
           <a:prstGeom prst="rect">
@@ -1832,8 +1833,8 @@
         </p:blipFill>
         <p:spPr bwMode="auto">
           <a:xfrm>
-            <a:off x="10169572" y="3376948"/>
-            <a:ext cx="1586363" cy="1586363"/>
+            <a:off x="3219753" y="4782175"/>
+            <a:ext cx="1011861" cy="1011861"/>
           </a:xfrm>
           <a:prstGeom prst="rect">
             <a:avLst/>
@@ -2074,7 +2075,7 @@
         </p:nvSpPr>
         <p:spPr>
           <a:xfrm>
-            <a:off x="1018297" y="3082346"/>
+            <a:off x="1018297" y="2795080"/>
             <a:ext cx="5927719" cy="461665"/>
           </a:xfrm>
           <a:prstGeom prst="rect">
@@ -2127,7 +2128,7 @@
         </p:nvSpPr>
         <p:spPr>
           <a:xfrm>
-            <a:off x="8151507" y="3077388"/>
+            <a:off x="1846903" y="4264142"/>
             <a:ext cx="3930402" cy="461665"/>
           </a:xfrm>
           <a:prstGeom prst="rect">
@@ -2168,10 +2169,40 @@
       </p:sp>
       <p:pic>
         <p:nvPicPr>
-          <p:cNvPr id="1036" name="Picture 12" descr="DotNetCode">
-            <a:extLst>
-              <a:ext uri="{FF2B5EF4-FFF2-40B4-BE49-F238E27FC236}">
-                <a16:creationId xmlns:a16="http://schemas.microsoft.com/office/drawing/2014/main" id="{EDDFB929-D7C1-414F-8E90-E3331180EE0F}"/>
+          <p:cNvPr id="15" name="Immagine 14">
+            <a:extLst>
+              <a:ext uri="{FF2B5EF4-FFF2-40B4-BE49-F238E27FC236}">
+                <a16:creationId xmlns:a16="http://schemas.microsoft.com/office/drawing/2014/main" id="{F8221B00-060C-66C4-8804-7D9A3B944921}"/>
+              </a:ext>
+            </a:extLst>
+          </p:cNvPr>
+          <p:cNvPicPr>
+            <a:picLocks noChangeAspect="1"/>
+          </p:cNvPicPr>
+          <p:nvPr userDrawn="1"/>
+        </p:nvPicPr>
+        <p:blipFill>
+          <a:blip r:embed="rId5"/>
+          <a:stretch>
+            <a:fillRect/>
+          </a:stretch>
+        </p:blipFill>
+        <p:spPr>
+          <a:xfrm>
+            <a:off x="4422008" y="4855917"/>
+            <a:ext cx="932998" cy="932998"/>
+          </a:xfrm>
+          <a:prstGeom prst="rect">
+            <a:avLst/>
+          </a:prstGeom>
+        </p:spPr>
+      </p:pic>
+      <p:pic>
+        <p:nvPicPr>
+          <p:cNvPr id="1032" name="Picture 8" descr="JetBrains">
+            <a:extLst>
+              <a:ext uri="{FF2B5EF4-FFF2-40B4-BE49-F238E27FC236}">
+                <a16:creationId xmlns:a16="http://schemas.microsoft.com/office/drawing/2014/main" id="{BEB1668B-28C7-4089-8EA4-58DFAF163CF8}"/>
               </a:ext>
             </a:extLst>
           </p:cNvPr>
@@ -2181,7 +2212,7 @@
           <p:nvPr userDrawn="1"/>
         </p:nvPicPr>
         <p:blipFill>
-          <a:blip r:embed="rId5">
+          <a:blip r:embed="rId6">
             <a:extLst>
               <a:ext uri="{28A0092B-C50C-407E-A947-70E740481C1C}">
                 <a14:useLocalDpi xmlns:a14="http://schemas.microsoft.com/office/drawing/2010/main" val="0"/>
@@ -2195,8 +2226,8 @@
         </p:blipFill>
         <p:spPr bwMode="auto">
           <a:xfrm>
-            <a:off x="10511298" y="4988931"/>
-            <a:ext cx="932998" cy="932998"/>
+            <a:off x="2146818" y="4855917"/>
+            <a:ext cx="1011861" cy="1011861"/>
           </a:xfrm>
           <a:prstGeom prst="rect">
             <a:avLst/>
@@ -2215,10 +2246,10 @@
       </p:pic>
       <p:pic>
         <p:nvPicPr>
-          <p:cNvPr id="3" name="Immagine 2">
-            <a:extLst>
-              <a:ext uri="{FF2B5EF4-FFF2-40B4-BE49-F238E27FC236}">
-                <a16:creationId xmlns:a16="http://schemas.microsoft.com/office/drawing/2014/main" id="{C53CC83D-4434-6B43-01C0-F262265A28EA}"/>
+          <p:cNvPr id="2" name="Picture 1" descr="A red text on a black background&#10;&#10;Description automatically generated">
+            <a:extLst>
+              <a:ext uri="{FF2B5EF4-FFF2-40B4-BE49-F238E27FC236}">
+                <a16:creationId xmlns:a16="http://schemas.microsoft.com/office/drawing/2014/main" id="{B60FC683-E46B-A030-7926-00436D1DD853}"/>
               </a:ext>
             </a:extLst>
           </p:cNvPr>
@@ -2228,27 +2259,133 @@
           <p:nvPr userDrawn="1"/>
         </p:nvPicPr>
         <p:blipFill>
-          <a:blip r:embed="rId6"/>
+          <a:blip r:embed="rId7">
+            <a:extLst>
+              <a:ext uri="{28A0092B-C50C-407E-A947-70E740481C1C}">
+                <a14:useLocalDpi xmlns:a14="http://schemas.microsoft.com/office/drawing/2010/main" val="0"/>
+              </a:ext>
+            </a:extLst>
+          </a:blip>
           <a:stretch>
             <a:fillRect/>
           </a:stretch>
         </p:blipFill>
         <p:spPr>
           <a:xfrm>
-            <a:off x="4196875" y="4855595"/>
-            <a:ext cx="2689471" cy="1344736"/>
+            <a:off x="8650619" y="3584237"/>
+            <a:ext cx="782266" cy="461665"/>
           </a:xfrm>
           <a:prstGeom prst="rect">
             <a:avLst/>
           </a:prstGeom>
         </p:spPr>
       </p:pic>
+      <p:sp>
+        <p:nvSpPr>
+          <p:cNvPr id="4" name="CasellaDiTesto 12">
+            <a:extLst>
+              <a:ext uri="{FF2B5EF4-FFF2-40B4-BE49-F238E27FC236}">
+                <a16:creationId xmlns:a16="http://schemas.microsoft.com/office/drawing/2014/main" id="{E8F18456-22B3-31EB-5B47-678EC65710DD}"/>
+              </a:ext>
+            </a:extLst>
+          </p:cNvPr>
+          <p:cNvSpPr txBox="1"/>
+          <p:nvPr userDrawn="1"/>
+        </p:nvSpPr>
+        <p:spPr>
+          <a:xfrm>
+            <a:off x="6053503" y="2774603"/>
+            <a:ext cx="5927719" cy="461665"/>
+          </a:xfrm>
+          <a:prstGeom prst="rect">
+            <a:avLst/>
+          </a:prstGeom>
+          <a:noFill/>
+        </p:spPr>
+        <p:txBody>
+          <a:bodyPr wrap="square">
+            <a:spAutoFit/>
+          </a:bodyPr>
+          <a:lstStyle/>
+          <a:p>
+            <a:pPr algn="ctr"/>
+            <a:r>
+              <a:rPr lang="it-IT" sz="2400" b="1" i="0" dirty="0">
+                <a:solidFill>
+                  <a:srgbClr val="808080"/>
+                </a:solidFill>
+                <a:effectLst/>
+                <a:latin typeface="Open Sans" panose="020B0606030504020204" pitchFamily="34" charset="0"/>
+              </a:rPr>
+              <a:t>Silver</a:t>
+            </a:r>
+            <a:r>
+              <a:rPr lang="it-IT" sz="2400" b="1" i="0" dirty="0">
+                <a:solidFill>
+                  <a:srgbClr val="E02B20"/>
+                </a:solidFill>
+                <a:effectLst/>
+                <a:latin typeface="Open Sans" panose="020B0606030504020204" pitchFamily="34" charset="0"/>
+              </a:rPr>
+              <a:t> Sponsor</a:t>
+            </a:r>
+            <a:endParaRPr lang="it-IT" sz="2400" dirty="0"/>
+          </a:p>
+        </p:txBody>
+      </p:sp>
       <p:pic>
         <p:nvPicPr>
-          <p:cNvPr id="7" name="Immagine 6">
-            <a:extLst>
-              <a:ext uri="{FF2B5EF4-FFF2-40B4-BE49-F238E27FC236}">
-                <a16:creationId xmlns:a16="http://schemas.microsoft.com/office/drawing/2014/main" id="{E802044E-478E-2E1D-ACF2-C3D294EE5BB1}"/>
+          <p:cNvPr id="8" name="Picture 2" descr="Unikey">
+            <a:extLst>
+              <a:ext uri="{FF2B5EF4-FFF2-40B4-BE49-F238E27FC236}">
+                <a16:creationId xmlns:a16="http://schemas.microsoft.com/office/drawing/2014/main" id="{3E9D9D2B-A4F8-B37B-1FD6-C4BA99372A9D}"/>
+              </a:ext>
+            </a:extLst>
+          </p:cNvPr>
+          <p:cNvPicPr>
+            <a:picLocks noChangeAspect="1" noChangeArrowheads="1"/>
+          </p:cNvPicPr>
+          <p:nvPr userDrawn="1"/>
+        </p:nvPicPr>
+        <p:blipFill>
+          <a:blip r:embed="rId8">
+            <a:extLst>
+              <a:ext uri="{28A0092B-C50C-407E-A947-70E740481C1C}">
+                <a14:useLocalDpi xmlns:a14="http://schemas.microsoft.com/office/drawing/2010/main" val="0"/>
+              </a:ext>
+            </a:extLst>
+          </a:blip>
+          <a:srcRect/>
+          <a:stretch>
+            <a:fillRect/>
+          </a:stretch>
+        </p:blipFill>
+        <p:spPr bwMode="auto">
+          <a:xfrm>
+            <a:off x="4215117" y="3219758"/>
+            <a:ext cx="2245520" cy="1122761"/>
+          </a:xfrm>
+          <a:prstGeom prst="rect">
+            <a:avLst/>
+          </a:prstGeom>
+          <a:noFill/>
+          <a:extLst>
+            <a:ext uri="{909E8E84-426E-40DD-AFC4-6F175D3DCCD1}">
+              <a14:hiddenFill xmlns:a14="http://schemas.microsoft.com/office/drawing/2010/main">
+                <a:solidFill>
+                  <a:srgbClr val="FFFFFF"/>
+                </a:solidFill>
+              </a14:hiddenFill>
+            </a:ext>
+          </a:extLst>
+        </p:spPr>
+      </p:pic>
+      <p:pic>
+        <p:nvPicPr>
+          <p:cNvPr id="11" name="Picture 10" descr="A logo with blue squares and text&#10;&#10;Description automatically generated">
+            <a:extLst>
+              <a:ext uri="{FF2B5EF4-FFF2-40B4-BE49-F238E27FC236}">
+                <a16:creationId xmlns:a16="http://schemas.microsoft.com/office/drawing/2014/main" id="{E8CF2C8C-59A6-8AAF-D5B7-FDABD2B5E846}"/>
               </a:ext>
             </a:extLst>
           </p:cNvPr>
@@ -2258,27 +2395,76 @@
           <p:nvPr userDrawn="1"/>
         </p:nvPicPr>
         <p:blipFill>
-          <a:blip r:embed="rId7"/>
+          <a:blip r:embed="rId9">
+            <a:extLst>
+              <a:ext uri="{28A0092B-C50C-407E-A947-70E740481C1C}">
+                <a14:useLocalDpi xmlns:a14="http://schemas.microsoft.com/office/drawing/2010/main" val="0"/>
+              </a:ext>
+            </a:extLst>
+          </a:blip>
           <a:stretch>
             <a:fillRect/>
           </a:stretch>
         </p:blipFill>
         <p:spPr>
           <a:xfrm>
-            <a:off x="949207" y="3563330"/>
-            <a:ext cx="2689471" cy="1344736"/>
+            <a:off x="1302466" y="3095631"/>
+            <a:ext cx="2437364" cy="1371017"/>
           </a:xfrm>
           <a:prstGeom prst="rect">
             <a:avLst/>
           </a:prstGeom>
         </p:spPr>
       </p:pic>
+      <p:sp>
+        <p:nvSpPr>
+          <p:cNvPr id="14" name="CasellaDiTesto 15">
+            <a:extLst>
+              <a:ext uri="{FF2B5EF4-FFF2-40B4-BE49-F238E27FC236}">
+                <a16:creationId xmlns:a16="http://schemas.microsoft.com/office/drawing/2014/main" id="{DC748F86-95BF-0BBE-3848-EAE51B2A95BB}"/>
+              </a:ext>
+            </a:extLst>
+          </p:cNvPr>
+          <p:cNvSpPr txBox="1"/>
+          <p:nvPr userDrawn="1"/>
+        </p:nvSpPr>
+        <p:spPr>
+          <a:xfrm>
+            <a:off x="7052067" y="4270184"/>
+            <a:ext cx="3930402" cy="461665"/>
+          </a:xfrm>
+          <a:prstGeom prst="rect">
+            <a:avLst/>
+          </a:prstGeom>
+          <a:noFill/>
+        </p:spPr>
+        <p:txBody>
+          <a:bodyPr wrap="square">
+            <a:spAutoFit/>
+          </a:bodyPr>
+          <a:lstStyle/>
+          <a:p>
+            <a:pPr algn="ctr"/>
+            <a:r>
+              <a:rPr lang="it-IT" sz="2400" b="1" i="0" dirty="0">
+                <a:solidFill>
+                  <a:srgbClr val="E02B20"/>
+                </a:solidFill>
+                <a:effectLst/>
+                <a:latin typeface="Open Sans" panose="020B0606030504020204" pitchFamily="34" charset="0"/>
+              </a:rPr>
+              <a:t>Community</a:t>
+            </a:r>
+            <a:endParaRPr lang="it-IT" sz="2400" dirty="0"/>
+          </a:p>
+        </p:txBody>
+      </p:sp>
       <p:pic>
         <p:nvPicPr>
-          <p:cNvPr id="9" name="Immagine 8">
-            <a:extLst>
-              <a:ext uri="{FF2B5EF4-FFF2-40B4-BE49-F238E27FC236}">
-                <a16:creationId xmlns:a16="http://schemas.microsoft.com/office/drawing/2014/main" id="{D75DC4AC-03AC-F48C-96C4-AEBCD7E97D18}"/>
+          <p:cNvPr id="17" name="Immagine 42" descr="Immagine che contiene testo, clipart, grafica vettoriale, segnale&#10;&#10;Descrizione generata automaticamente">
+            <a:extLst>
+              <a:ext uri="{FF2B5EF4-FFF2-40B4-BE49-F238E27FC236}">
+                <a16:creationId xmlns:a16="http://schemas.microsoft.com/office/drawing/2014/main" id="{5401BA54-0A71-74BE-1EA7-750023D5BA09}"/>
               </a:ext>
             </a:extLst>
           </p:cNvPr>
@@ -2288,15 +2474,21 @@
           <p:nvPr userDrawn="1"/>
         </p:nvPicPr>
         <p:blipFill>
-          <a:blip r:embed="rId8"/>
+          <a:blip r:embed="rId10" cstate="print">
+            <a:extLst>
+              <a:ext uri="{28A0092B-C50C-407E-A947-70E740481C1C}">
+                <a14:useLocalDpi xmlns:a14="http://schemas.microsoft.com/office/drawing/2010/main" val="0"/>
+              </a:ext>
+            </a:extLst>
+          </a:blip>
           <a:stretch>
             <a:fillRect/>
           </a:stretch>
         </p:blipFill>
         <p:spPr>
           <a:xfrm>
-            <a:off x="4132234" y="3645308"/>
-            <a:ext cx="2689471" cy="1344736"/>
+            <a:off x="7052067" y="4866482"/>
+            <a:ext cx="805104" cy="805104"/>
           </a:xfrm>
           <a:prstGeom prst="rect">
             <a:avLst/>
@@ -2305,70 +2497,10 @@
       </p:pic>
       <p:pic>
         <p:nvPicPr>
-          <p:cNvPr id="12" name="Immagine 11">
-            <a:extLst>
-              <a:ext uri="{FF2B5EF4-FFF2-40B4-BE49-F238E27FC236}">
-                <a16:creationId xmlns:a16="http://schemas.microsoft.com/office/drawing/2014/main" id="{01F084A0-0CBE-CE95-2E2F-3D3AA814BED6}"/>
-              </a:ext>
-            </a:extLst>
-          </p:cNvPr>
-          <p:cNvPicPr>
-            <a:picLocks noChangeAspect="1"/>
-          </p:cNvPicPr>
-          <p:nvPr userDrawn="1"/>
-        </p:nvPicPr>
-        <p:blipFill>
-          <a:blip r:embed="rId9"/>
-          <a:stretch>
-            <a:fillRect/>
-          </a:stretch>
-        </p:blipFill>
-        <p:spPr>
-          <a:xfrm>
-            <a:off x="1018297" y="4800717"/>
-            <a:ext cx="2689471" cy="1344736"/>
-          </a:xfrm>
-          <a:prstGeom prst="rect">
-            <a:avLst/>
-          </a:prstGeom>
-        </p:spPr>
-      </p:pic>
-      <p:pic>
-        <p:nvPicPr>
-          <p:cNvPr id="15" name="Immagine 14">
-            <a:extLst>
-              <a:ext uri="{FF2B5EF4-FFF2-40B4-BE49-F238E27FC236}">
-                <a16:creationId xmlns:a16="http://schemas.microsoft.com/office/drawing/2014/main" id="{F8221B00-060C-66C4-8804-7D9A3B944921}"/>
-              </a:ext>
-            </a:extLst>
-          </p:cNvPr>
-          <p:cNvPicPr>
-            <a:picLocks noChangeAspect="1"/>
-          </p:cNvPicPr>
-          <p:nvPr userDrawn="1"/>
-        </p:nvPicPr>
-        <p:blipFill>
-          <a:blip r:embed="rId10"/>
-          <a:stretch>
-            <a:fillRect/>
-          </a:stretch>
-        </p:blipFill>
-        <p:spPr>
-          <a:xfrm>
-            <a:off x="8718953" y="4691010"/>
-            <a:ext cx="1450619" cy="1450619"/>
-          </a:xfrm>
-          <a:prstGeom prst="rect">
-            <a:avLst/>
-          </a:prstGeom>
-        </p:spPr>
-      </p:pic>
-      <p:pic>
-        <p:nvPicPr>
-          <p:cNvPr id="1032" name="Picture 8" descr="JetBrains">
-            <a:extLst>
-              <a:ext uri="{FF2B5EF4-FFF2-40B4-BE49-F238E27FC236}">
-                <a16:creationId xmlns:a16="http://schemas.microsoft.com/office/drawing/2014/main" id="{BEB1668B-28C7-4089-8EA4-58DFAF163CF8}"/>
+          <p:cNvPr id="18" name="Picture 2" descr="DotNet Abruzzo">
+            <a:extLst>
+              <a:ext uri="{FF2B5EF4-FFF2-40B4-BE49-F238E27FC236}">
+                <a16:creationId xmlns:a16="http://schemas.microsoft.com/office/drawing/2014/main" id="{F776BAF9-FA50-6966-E672-41457A81A0EA}"/>
               </a:ext>
             </a:extLst>
           </p:cNvPr>
@@ -2392,8 +2524,102 @@
         </p:blipFill>
         <p:spPr bwMode="auto">
           <a:xfrm>
-            <a:off x="8623445" y="3429000"/>
-            <a:ext cx="1586363" cy="1586363"/>
+            <a:off x="8171405" y="4876860"/>
+            <a:ext cx="784347" cy="784347"/>
+          </a:xfrm>
+          <a:prstGeom prst="rect">
+            <a:avLst/>
+          </a:prstGeom>
+          <a:noFill/>
+          <a:extLst>
+            <a:ext uri="{909E8E84-426E-40DD-AFC4-6F175D3DCCD1}">
+              <a14:hiddenFill xmlns:a14="http://schemas.microsoft.com/office/drawing/2010/main">
+                <a:solidFill>
+                  <a:srgbClr val="FFFFFF"/>
+                </a:solidFill>
+              </a14:hiddenFill>
+            </a:ext>
+          </a:extLst>
+        </p:spPr>
+      </p:pic>
+      <p:pic>
+        <p:nvPicPr>
+          <p:cNvPr id="19" name="Picture 4" descr="DotNet Toscana">
+            <a:extLst>
+              <a:ext uri="{FF2B5EF4-FFF2-40B4-BE49-F238E27FC236}">
+                <a16:creationId xmlns:a16="http://schemas.microsoft.com/office/drawing/2014/main" id="{9F3A1389-095D-0644-3CED-4382354A8D61}"/>
+              </a:ext>
+            </a:extLst>
+          </p:cNvPr>
+          <p:cNvPicPr>
+            <a:picLocks noChangeAspect="1" noChangeArrowheads="1"/>
+          </p:cNvPicPr>
+          <p:nvPr userDrawn="1"/>
+        </p:nvPicPr>
+        <p:blipFill>
+          <a:blip r:embed="rId12">
+            <a:extLst>
+              <a:ext uri="{28A0092B-C50C-407E-A947-70E740481C1C}">
+                <a14:useLocalDpi xmlns:a14="http://schemas.microsoft.com/office/drawing/2010/main" val="0"/>
+              </a:ext>
+            </a:extLst>
+          </a:blip>
+          <a:srcRect/>
+          <a:stretch>
+            <a:fillRect/>
+          </a:stretch>
+        </p:blipFill>
+        <p:spPr bwMode="auto">
+          <a:xfrm>
+            <a:off x="9058132" y="4858153"/>
+            <a:ext cx="784347" cy="784347"/>
+          </a:xfrm>
+          <a:prstGeom prst="rect">
+            <a:avLst/>
+          </a:prstGeom>
+          <a:noFill/>
+          <a:extLst>
+            <a:ext uri="{909E8E84-426E-40DD-AFC4-6F175D3DCCD1}">
+              <a14:hiddenFill xmlns:a14="http://schemas.microsoft.com/office/drawing/2010/main">
+                <a:solidFill>
+                  <a:srgbClr val="FFFFFF"/>
+                </a:solidFill>
+              </a14:hiddenFill>
+            </a:ext>
+          </a:extLst>
+        </p:spPr>
+      </p:pic>
+      <p:pic>
+        <p:nvPicPr>
+          <p:cNvPr id="20" name="Picture 6" descr="DotNetLombardia">
+            <a:extLst>
+              <a:ext uri="{FF2B5EF4-FFF2-40B4-BE49-F238E27FC236}">
+                <a16:creationId xmlns:a16="http://schemas.microsoft.com/office/drawing/2014/main" id="{D64C6BE0-8902-AE16-76AF-93EE78A3064F}"/>
+              </a:ext>
+            </a:extLst>
+          </p:cNvPr>
+          <p:cNvPicPr>
+            <a:picLocks noChangeAspect="1" noChangeArrowheads="1"/>
+          </p:cNvPicPr>
+          <p:nvPr userDrawn="1"/>
+        </p:nvPicPr>
+        <p:blipFill>
+          <a:blip r:embed="rId13">
+            <a:extLst>
+              <a:ext uri="{28A0092B-C50C-407E-A947-70E740481C1C}">
+                <a14:useLocalDpi xmlns:a14="http://schemas.microsoft.com/office/drawing/2010/main" val="0"/>
+              </a:ext>
+            </a:extLst>
+          </a:blip>
+          <a:srcRect/>
+          <a:stretch>
+            <a:fillRect/>
+          </a:stretch>
+        </p:blipFill>
+        <p:spPr bwMode="auto">
+          <a:xfrm>
+            <a:off x="10004762" y="4858152"/>
+            <a:ext cx="823730" cy="813433"/>
           </a:xfrm>
           <a:prstGeom prst="rect">
             <a:avLst/>
@@ -5118,6 +5344,36 @@
 </p:sld>
 </file>
 
+<file path=ppt/slides/slide9.xml><?xml version="1.0" encoding="utf-8"?>
+<p:sld xmlns:a="http://schemas.openxmlformats.org/drawingml/2006/main" xmlns:r="http://schemas.openxmlformats.org/officeDocument/2006/relationships" xmlns:p="http://schemas.openxmlformats.org/presentationml/2006/main">
+  <p:cSld>
+    <p:spTree>
+      <p:nvGrpSpPr>
+        <p:cNvPr id="1" name=""/>
+        <p:cNvGrpSpPr/>
+        <p:nvPr/>
+      </p:nvGrpSpPr>
+      <p:grpSpPr>
+        <a:xfrm>
+          <a:off x="0" y="0"/>
+          <a:ext cx="0" cy="0"/>
+          <a:chOff x="0" y="0"/>
+          <a:chExt cx="0" cy="0"/>
+        </a:xfrm>
+      </p:grpSpPr>
+    </p:spTree>
+    <p:extLst>
+      <p:ext uri="{BB962C8B-B14F-4D97-AF65-F5344CB8AC3E}">
+        <p14:creationId xmlns:p14="http://schemas.microsoft.com/office/powerpoint/2010/main" val="4135173844"/>
+      </p:ext>
+    </p:extLst>
+  </p:cSld>
+  <p:clrMapOvr>
+    <a:masterClrMapping/>
+  </p:clrMapOvr>
+</p:sld>
+</file>
+
 <file path=ppt/theme/theme1.xml><?xml version="1.0" encoding="utf-8"?>
 <a:theme xmlns:a="http://schemas.openxmlformats.org/drawingml/2006/main" name="Tema di Office">
   <a:themeElements>

--- a/Template/Template_XMASDev2023.pptx
+++ b/Template/Template_XMASDev2023.pptx
@@ -1296,7 +1296,7 @@
         </p:blipFill>
         <p:spPr>
           <a:xfrm>
-            <a:off x="2100494" y="4438160"/>
+            <a:off x="2585489" y="4844003"/>
             <a:ext cx="914400" cy="914400"/>
           </a:xfrm>
           <a:prstGeom prst="rect">
@@ -1332,7 +1332,7 @@
         </p:blipFill>
         <p:spPr>
           <a:xfrm>
-            <a:off x="2767710" y="1847188"/>
+            <a:off x="2835223" y="1195231"/>
             <a:ext cx="2747839" cy="1225213"/>
           </a:xfrm>
           <a:prstGeom prst="rect">
@@ -1368,7 +1368,7 @@
         </p:blipFill>
         <p:spPr>
           <a:xfrm>
-            <a:off x="2773326" y="882102"/>
+            <a:off x="2840839" y="230145"/>
             <a:ext cx="2736606" cy="1220204"/>
           </a:xfrm>
           <a:prstGeom prst="rect">
@@ -1404,44 +1404,8 @@
         </p:blipFill>
         <p:spPr>
           <a:xfrm>
-            <a:off x="3071629" y="4337285"/>
+            <a:off x="3556624" y="4743128"/>
             <a:ext cx="1032652" cy="1032652"/>
-          </a:xfrm>
-          <a:prstGeom prst="rect">
-            <a:avLst/>
-          </a:prstGeom>
-        </p:spPr>
-      </p:pic>
-      <p:pic>
-        <p:nvPicPr>
-          <p:cNvPr id="4" name="Picture 3" descr="A red text on a black background&#10;&#10;Description automatically generated">
-            <a:extLst>
-              <a:ext uri="{FF2B5EF4-FFF2-40B4-BE49-F238E27FC236}">
-                <a16:creationId xmlns:a16="http://schemas.microsoft.com/office/drawing/2014/main" id="{77554BEA-586D-60BA-E6C0-F2606AD2B713}"/>
-              </a:ext>
-            </a:extLst>
-          </p:cNvPr>
-          <p:cNvPicPr>
-            <a:picLocks noChangeAspect="1"/>
-          </p:cNvPicPr>
-          <p:nvPr userDrawn="1"/>
-        </p:nvPicPr>
-        <p:blipFill>
-          <a:blip r:embed="rId6">
-            <a:extLst>
-              <a:ext uri="{28A0092B-C50C-407E-A947-70E740481C1C}">
-                <a14:useLocalDpi xmlns:a14="http://schemas.microsoft.com/office/drawing/2010/main" val="0"/>
-              </a:ext>
-            </a:extLst>
-          </a:blip>
-          <a:stretch>
-            <a:fillRect/>
-          </a:stretch>
-        </p:blipFill>
-        <p:spPr>
-          <a:xfrm>
-            <a:off x="5271435" y="4724975"/>
-            <a:ext cx="824565" cy="486628"/>
           </a:xfrm>
           <a:prstGeom prst="rect">
             <a:avLst/>
@@ -1463,7 +1427,7 @@
           <p:nvPr userDrawn="1"/>
         </p:nvPicPr>
         <p:blipFill>
-          <a:blip r:embed="rId7">
+          <a:blip r:embed="rId6">
             <a:extLst>
               <a:ext uri="{28A0092B-C50C-407E-A947-70E740481C1C}">
                 <a14:useLocalDpi xmlns:a14="http://schemas.microsoft.com/office/drawing/2010/main" val="0"/>
@@ -1477,7 +1441,7 @@
         </p:blipFill>
         <p:spPr bwMode="auto">
           <a:xfrm>
-            <a:off x="3232645" y="3644527"/>
+            <a:off x="3300158" y="2992570"/>
             <a:ext cx="2099842" cy="1049922"/>
           </a:xfrm>
           <a:prstGeom prst="rect">
@@ -1510,7 +1474,7 @@
           <p:nvPr userDrawn="1"/>
         </p:nvPicPr>
         <p:blipFill>
-          <a:blip r:embed="rId8">
+          <a:blip r:embed="rId7">
             <a:extLst>
               <a:ext uri="{28A0092B-C50C-407E-A947-70E740481C1C}">
                 <a14:useLocalDpi xmlns:a14="http://schemas.microsoft.com/office/drawing/2010/main" val="0"/>
@@ -1523,7 +1487,7 @@
         </p:blipFill>
         <p:spPr>
           <a:xfrm>
-            <a:off x="4178085" y="4627453"/>
+            <a:off x="4663080" y="5033296"/>
             <a:ext cx="919982" cy="535813"/>
           </a:xfrm>
           <a:prstGeom prst="rect">
@@ -1546,7 +1510,7 @@
           <p:nvPr userDrawn="1"/>
         </p:nvPicPr>
         <p:blipFill>
-          <a:blip r:embed="rId9">
+          <a:blip r:embed="rId8">
             <a:extLst>
               <a:ext uri="{28A0092B-C50C-407E-A947-70E740481C1C}">
                 <a14:useLocalDpi xmlns:a14="http://schemas.microsoft.com/office/drawing/2010/main" val="0"/>
@@ -1559,7 +1523,7 @@
         </p:blipFill>
         <p:spPr>
           <a:xfrm>
-            <a:off x="3095774" y="2718517"/>
+            <a:off x="3163287" y="2066560"/>
             <a:ext cx="2091710" cy="1176586"/>
           </a:xfrm>
           <a:prstGeom prst="rect">
@@ -1582,7 +1546,7 @@
           <p:nvPr userDrawn="1"/>
         </p:nvPicPr>
         <p:blipFill>
-          <a:blip r:embed="rId10" cstate="print">
+          <a:blip r:embed="rId9" cstate="print">
             <a:extLst>
               <a:ext uri="{28A0092B-C50C-407E-A947-70E740481C1C}">
                 <a14:useLocalDpi xmlns:a14="http://schemas.microsoft.com/office/drawing/2010/main" val="0"/>
@@ -1595,7 +1559,7 @@
         </p:blipFill>
         <p:spPr>
           <a:xfrm>
-            <a:off x="2145372" y="5457648"/>
+            <a:off x="2104627" y="5754810"/>
             <a:ext cx="805104" cy="805104"/>
           </a:xfrm>
           <a:prstGeom prst="rect">
@@ -1618,7 +1582,7 @@
           <p:nvPr userDrawn="1"/>
         </p:nvPicPr>
         <p:blipFill>
-          <a:blip r:embed="rId11">
+          <a:blip r:embed="rId10">
             <a:extLst>
               <a:ext uri="{28A0092B-C50C-407E-A947-70E740481C1C}">
                 <a14:useLocalDpi xmlns:a14="http://schemas.microsoft.com/office/drawing/2010/main" val="0"/>
@@ -1632,7 +1596,7 @@
         </p:blipFill>
         <p:spPr bwMode="auto">
           <a:xfrm>
-            <a:off x="3195781" y="5485059"/>
+            <a:off x="3155036" y="5782221"/>
             <a:ext cx="784347" cy="784347"/>
           </a:xfrm>
           <a:prstGeom prst="rect">
@@ -1665,7 +1629,7 @@
           <p:nvPr userDrawn="1"/>
         </p:nvPicPr>
         <p:blipFill>
-          <a:blip r:embed="rId12">
+          <a:blip r:embed="rId11">
             <a:extLst>
               <a:ext uri="{28A0092B-C50C-407E-A947-70E740481C1C}">
                 <a14:useLocalDpi xmlns:a14="http://schemas.microsoft.com/office/drawing/2010/main" val="0"/>
@@ -1679,7 +1643,7 @@
         </p:blipFill>
         <p:spPr bwMode="auto">
           <a:xfrm>
-            <a:off x="4245902" y="5493160"/>
+            <a:off x="4205157" y="5790322"/>
             <a:ext cx="784347" cy="784347"/>
           </a:xfrm>
           <a:prstGeom prst="rect">
@@ -1712,7 +1676,7 @@
           <p:nvPr userDrawn="1"/>
         </p:nvPicPr>
         <p:blipFill>
-          <a:blip r:embed="rId13">
+          <a:blip r:embed="rId12">
             <a:extLst>
               <a:ext uri="{28A0092B-C50C-407E-A947-70E740481C1C}">
                 <a14:useLocalDpi xmlns:a14="http://schemas.microsoft.com/office/drawing/2010/main" val="0"/>
@@ -1726,7 +1690,7 @@
         </p:blipFill>
         <p:spPr bwMode="auto">
           <a:xfrm>
-            <a:off x="5313015" y="5478618"/>
+            <a:off x="5272270" y="5775780"/>
             <a:ext cx="823730" cy="813433"/>
           </a:xfrm>
           <a:prstGeom prst="rect">
@@ -1759,7 +1723,7 @@
           <p:nvPr userDrawn="1"/>
         </p:nvPicPr>
         <p:blipFill>
-          <a:blip r:embed="rId14"/>
+          <a:blip r:embed="rId13"/>
           <a:stretch>
             <a:fillRect/>
           </a:stretch>
@@ -1768,6 +1732,72 @@
           <a:xfrm>
             <a:off x="6096000" y="560085"/>
             <a:ext cx="5789353" cy="3084442"/>
+          </a:xfrm>
+          <a:prstGeom prst="rect">
+            <a:avLst/>
+          </a:prstGeom>
+        </p:spPr>
+      </p:pic>
+      <p:pic>
+        <p:nvPicPr>
+          <p:cNvPr id="4" name="Picture 3" descr="A red text on a black background&#10;&#10;Description automatically generated">
+            <a:extLst>
+              <a:ext uri="{FF2B5EF4-FFF2-40B4-BE49-F238E27FC236}">
+                <a16:creationId xmlns:a16="http://schemas.microsoft.com/office/drawing/2014/main" id="{77554BEA-586D-60BA-E6C0-F2606AD2B713}"/>
+              </a:ext>
+            </a:extLst>
+          </p:cNvPr>
+          <p:cNvPicPr>
+            <a:picLocks noChangeAspect="1"/>
+          </p:cNvPicPr>
+          <p:nvPr userDrawn="1"/>
+        </p:nvPicPr>
+        <p:blipFill>
+          <a:blip r:embed="rId14">
+            <a:extLst>
+              <a:ext uri="{28A0092B-C50C-407E-A947-70E740481C1C}">
+                <a14:useLocalDpi xmlns:a14="http://schemas.microsoft.com/office/drawing/2010/main" val="0"/>
+              </a:ext>
+            </a:extLst>
+          </a:blip>
+          <a:stretch>
+            <a:fillRect/>
+          </a:stretch>
+        </p:blipFill>
+        <p:spPr>
+          <a:xfrm>
+            <a:off x="3042689" y="4154097"/>
+            <a:ext cx="824565" cy="486628"/>
+          </a:xfrm>
+          <a:prstGeom prst="rect">
+            <a:avLst/>
+          </a:prstGeom>
+        </p:spPr>
+      </p:pic>
+      <p:pic>
+        <p:nvPicPr>
+          <p:cNvPr id="3" name="Picture 2" descr="A black background with blue text&#10;&#10;Description automatically generated">
+            <a:extLst>
+              <a:ext uri="{FF2B5EF4-FFF2-40B4-BE49-F238E27FC236}">
+                <a16:creationId xmlns:a16="http://schemas.microsoft.com/office/drawing/2014/main" id="{B9F93689-8180-7B3B-C24A-099C51A85EFA}"/>
+              </a:ext>
+            </a:extLst>
+          </p:cNvPr>
+          <p:cNvPicPr>
+            <a:picLocks noChangeAspect="1"/>
+          </p:cNvPicPr>
+          <p:nvPr userDrawn="1"/>
+        </p:nvPicPr>
+        <p:blipFill>
+          <a:blip r:embed="rId15"/>
+          <a:stretch>
+            <a:fillRect/>
+          </a:stretch>
+        </p:blipFill>
+        <p:spPr>
+          <a:xfrm>
+            <a:off x="4072950" y="4100280"/>
+            <a:ext cx="2106213" cy="585059"/>
           </a:xfrm>
           <a:prstGeom prst="rect">
             <a:avLst/>
@@ -2272,7 +2302,7 @@
         </p:blipFill>
         <p:spPr>
           <a:xfrm>
-            <a:off x="8650619" y="3584237"/>
+            <a:off x="7661032" y="3545634"/>
             <a:ext cx="782266" cy="461665"/>
           </a:xfrm>
           <a:prstGeom prst="rect">
@@ -2634,6 +2664,36 @@
               </a14:hiddenFill>
             </a:ext>
           </a:extLst>
+        </p:spPr>
+      </p:pic>
+      <p:pic>
+        <p:nvPicPr>
+          <p:cNvPr id="3" name="Picture 2" descr="A black background with blue text&#10;&#10;Description automatically generated">
+            <a:extLst>
+              <a:ext uri="{FF2B5EF4-FFF2-40B4-BE49-F238E27FC236}">
+                <a16:creationId xmlns:a16="http://schemas.microsoft.com/office/drawing/2014/main" id="{680B45CB-2677-ACF2-B2E8-A23D3F4B28C6}"/>
+              </a:ext>
+            </a:extLst>
+          </p:cNvPr>
+          <p:cNvPicPr>
+            <a:picLocks noChangeAspect="1"/>
+          </p:cNvPicPr>
+          <p:nvPr userDrawn="1"/>
+        </p:nvPicPr>
+        <p:blipFill>
+          <a:blip r:embed="rId14"/>
+          <a:stretch>
+            <a:fillRect/>
+          </a:stretch>
+        </p:blipFill>
+        <p:spPr>
+          <a:xfrm>
+            <a:off x="8785798" y="3450005"/>
+            <a:ext cx="2106213" cy="585059"/>
+          </a:xfrm>
+          <a:prstGeom prst="rect">
+            <a:avLst/>
+          </a:prstGeom>
         </p:spPr>
       </p:pic>
     </p:spTree>
